--- a/Battle of Neighborhoods.pptx
+++ b/Battle of Neighborhoods.pptx
@@ -8,8 +8,15 @@
     <p:sldId id="256" r:id="rId2"/>
     <p:sldId id="257" r:id="rId3"/>
     <p:sldId id="258" r:id="rId4"/>
-    <p:sldId id="259" r:id="rId5"/>
-    <p:sldId id="260" r:id="rId6"/>
+    <p:sldId id="261" r:id="rId5"/>
+    <p:sldId id="263" r:id="rId6"/>
+    <p:sldId id="259" r:id="rId7"/>
+    <p:sldId id="262" r:id="rId8"/>
+    <p:sldId id="264" r:id="rId9"/>
+    <p:sldId id="265" r:id="rId10"/>
+    <p:sldId id="266" r:id="rId11"/>
+    <p:sldId id="267" r:id="rId12"/>
+    <p:sldId id="260" r:id="rId13"/>
   </p:sldIdLst>
   <p:sldSz cx="12192000" cy="6858000"/>
   <p:notesSz cx="6858000" cy="9144000"/>
@@ -108,6 +115,11 @@
       </a:defRPr>
     </a:lvl9pPr>
   </p:defaultTextStyle>
+  <p:extLst>
+    <p:ext uri="{EFAFB233-063F-42B5-8137-9DF3F51BA10A}">
+      <p15:sldGuideLst xmlns:p15="http://schemas.microsoft.com/office/powerpoint/2012/main"/>
+    </p:ext>
+  </p:extLst>
 </p:presentation>
 </file>
 
@@ -5405,6 +5417,448 @@
 </p:sld>
 </file>
 
+<file path=ppt/slides/slide10.xml><?xml version="1.0" encoding="utf-8"?>
+<p:sld xmlns:a="http://schemas.openxmlformats.org/drawingml/2006/main" xmlns:r="http://schemas.openxmlformats.org/officeDocument/2006/relationships" xmlns:p="http://schemas.openxmlformats.org/presentationml/2006/main">
+  <p:cSld>
+    <p:spTree>
+      <p:nvGrpSpPr>
+        <p:cNvPr id="1" name=""/>
+        <p:cNvGrpSpPr/>
+        <p:nvPr/>
+      </p:nvGrpSpPr>
+      <p:grpSpPr>
+        <a:xfrm>
+          <a:off x="0" y="0"/>
+          <a:ext cx="0" cy="0"/>
+          <a:chOff x="0" y="0"/>
+          <a:chExt cx="0" cy="0"/>
+        </a:xfrm>
+      </p:grpSpPr>
+      <p:sp>
+        <p:nvSpPr>
+          <p:cNvPr id="2" name="Title 1">
+            <a:extLst>
+              <a:ext uri="{FF2B5EF4-FFF2-40B4-BE49-F238E27FC236}">
+                <a16:creationId xmlns:a16="http://schemas.microsoft.com/office/drawing/2014/main" id="{CF46B413-8B07-4AE2-B2ED-C875FF8F180F}"/>
+              </a:ext>
+            </a:extLst>
+          </p:cNvPr>
+          <p:cNvSpPr>
+            <a:spLocks noGrp="1"/>
+          </p:cNvSpPr>
+          <p:nvPr>
+            <p:ph type="title"/>
+          </p:nvPr>
+        </p:nvSpPr>
+        <p:spPr/>
+        <p:txBody>
+          <a:bodyPr/>
+          <a:lstStyle/>
+          <a:p>
+            <a:r>
+              <a:rPr lang="en-IN" dirty="0"/>
+              <a:t>Clustering the Locations </a:t>
+            </a:r>
+          </a:p>
+        </p:txBody>
+      </p:sp>
+      <p:pic>
+        <p:nvPicPr>
+          <p:cNvPr id="4" name="Content Placeholder 3">
+            <a:extLst>
+              <a:ext uri="{FF2B5EF4-FFF2-40B4-BE49-F238E27FC236}">
+                <a16:creationId xmlns:a16="http://schemas.microsoft.com/office/drawing/2014/main" id="{D824D85C-E513-4BE8-9E34-58B5351394DA}"/>
+              </a:ext>
+            </a:extLst>
+          </p:cNvPr>
+          <p:cNvPicPr>
+            <a:picLocks noGrp="1" noChangeAspect="1"/>
+          </p:cNvPicPr>
+          <p:nvPr>
+            <p:ph idx="1"/>
+          </p:nvPr>
+        </p:nvPicPr>
+        <p:blipFill>
+          <a:blip r:embed="rId2"/>
+          <a:stretch>
+            <a:fillRect/>
+          </a:stretch>
+        </p:blipFill>
+        <p:spPr>
+          <a:xfrm>
+            <a:off x="901980" y="2449952"/>
+            <a:ext cx="3871647" cy="3694112"/>
+          </a:xfrm>
+          <a:prstGeom prst="rect">
+            <a:avLst/>
+          </a:prstGeom>
+        </p:spPr>
+      </p:pic>
+      <p:pic>
+        <p:nvPicPr>
+          <p:cNvPr id="5" name="Picture 4">
+            <a:extLst>
+              <a:ext uri="{FF2B5EF4-FFF2-40B4-BE49-F238E27FC236}">
+                <a16:creationId xmlns:a16="http://schemas.microsoft.com/office/drawing/2014/main" id="{2481CFBA-3D1C-444D-A242-795D325E3FA3}"/>
+              </a:ext>
+            </a:extLst>
+          </p:cNvPr>
+          <p:cNvPicPr>
+            <a:picLocks noChangeAspect="1"/>
+          </p:cNvPicPr>
+          <p:nvPr/>
+        </p:nvPicPr>
+        <p:blipFill>
+          <a:blip r:embed="rId3"/>
+          <a:stretch>
+            <a:fillRect/>
+          </a:stretch>
+        </p:blipFill>
+        <p:spPr>
+          <a:xfrm>
+            <a:off x="6734206" y="2454751"/>
+            <a:ext cx="3890422" cy="3689313"/>
+          </a:xfrm>
+          <a:prstGeom prst="rect">
+            <a:avLst/>
+          </a:prstGeom>
+        </p:spPr>
+      </p:pic>
+      <p:sp>
+        <p:nvSpPr>
+          <p:cNvPr id="6" name="TextBox 5">
+            <a:extLst>
+              <a:ext uri="{FF2B5EF4-FFF2-40B4-BE49-F238E27FC236}">
+                <a16:creationId xmlns:a16="http://schemas.microsoft.com/office/drawing/2014/main" id="{5A2BC3C8-6EB9-4DD1-B4F7-39A3C4A016D3}"/>
+              </a:ext>
+            </a:extLst>
+          </p:cNvPr>
+          <p:cNvSpPr txBox="1"/>
+          <p:nvPr/>
+        </p:nvSpPr>
+        <p:spPr>
+          <a:xfrm flipH="1">
+            <a:off x="1565029" y="6309360"/>
+            <a:ext cx="3871647" cy="369332"/>
+          </a:xfrm>
+          <a:prstGeom prst="rect">
+            <a:avLst/>
+          </a:prstGeom>
+          <a:noFill/>
+        </p:spPr>
+        <p:txBody>
+          <a:bodyPr wrap="square" rtlCol="0">
+            <a:spAutoFit/>
+          </a:bodyPr>
+          <a:lstStyle/>
+          <a:p>
+            <a:r>
+              <a:rPr lang="en-IN" dirty="0"/>
+              <a:t>Cluster of Primary Locations </a:t>
+            </a:r>
+          </a:p>
+        </p:txBody>
+      </p:sp>
+      <p:sp>
+        <p:nvSpPr>
+          <p:cNvPr id="7" name="TextBox 6">
+            <a:extLst>
+              <a:ext uri="{FF2B5EF4-FFF2-40B4-BE49-F238E27FC236}">
+                <a16:creationId xmlns:a16="http://schemas.microsoft.com/office/drawing/2014/main" id="{BF1D54F7-67D1-4ED3-8F37-774E79729925}"/>
+              </a:ext>
+            </a:extLst>
+          </p:cNvPr>
+          <p:cNvSpPr txBox="1"/>
+          <p:nvPr/>
+        </p:nvSpPr>
+        <p:spPr>
+          <a:xfrm flipH="1">
+            <a:off x="6788141" y="6346315"/>
+            <a:ext cx="3871647" cy="369332"/>
+          </a:xfrm>
+          <a:prstGeom prst="rect">
+            <a:avLst/>
+          </a:prstGeom>
+          <a:noFill/>
+        </p:spPr>
+        <p:txBody>
+          <a:bodyPr wrap="square" rtlCol="0">
+            <a:spAutoFit/>
+          </a:bodyPr>
+          <a:lstStyle/>
+          <a:p>
+            <a:r>
+              <a:rPr lang="en-IN" dirty="0"/>
+              <a:t>Cluster of Secondary Locations </a:t>
+            </a:r>
+          </a:p>
+        </p:txBody>
+      </p:sp>
+      <p:sp>
+        <p:nvSpPr>
+          <p:cNvPr id="8" name="TextBox 7">
+            <a:extLst>
+              <a:ext uri="{FF2B5EF4-FFF2-40B4-BE49-F238E27FC236}">
+                <a16:creationId xmlns:a16="http://schemas.microsoft.com/office/drawing/2014/main" id="{92B750F4-44E2-474A-8D75-E87A4200A90C}"/>
+              </a:ext>
+            </a:extLst>
+          </p:cNvPr>
+          <p:cNvSpPr txBox="1"/>
+          <p:nvPr/>
+        </p:nvSpPr>
+        <p:spPr>
+          <a:xfrm flipH="1">
+            <a:off x="773723" y="2063035"/>
+            <a:ext cx="10874326" cy="369332"/>
+          </a:xfrm>
+          <a:prstGeom prst="rect">
+            <a:avLst/>
+          </a:prstGeom>
+          <a:noFill/>
+        </p:spPr>
+        <p:txBody>
+          <a:bodyPr wrap="square" rtlCol="0">
+            <a:spAutoFit/>
+          </a:bodyPr>
+          <a:lstStyle/>
+          <a:p>
+            <a:r>
+              <a:rPr lang="en-IN" dirty="0"/>
+              <a:t>Using K-means Clustering Algorithm we create 15 clusters of Primary and Secondary Locations  </a:t>
+            </a:r>
+          </a:p>
+        </p:txBody>
+      </p:sp>
+    </p:spTree>
+    <p:extLst>
+      <p:ext uri="{BB962C8B-B14F-4D97-AF65-F5344CB8AC3E}">
+        <p14:creationId xmlns:p14="http://schemas.microsoft.com/office/powerpoint/2010/main" val="1816146837"/>
+      </p:ext>
+    </p:extLst>
+  </p:cSld>
+  <p:clrMapOvr>
+    <a:masterClrMapping/>
+  </p:clrMapOvr>
+</p:sld>
+</file>
+
+<file path=ppt/slides/slide11.xml><?xml version="1.0" encoding="utf-8"?>
+<p:sld xmlns:a="http://schemas.openxmlformats.org/drawingml/2006/main" xmlns:r="http://schemas.openxmlformats.org/officeDocument/2006/relationships" xmlns:p="http://schemas.openxmlformats.org/presentationml/2006/main">
+  <p:cSld>
+    <p:spTree>
+      <p:nvGrpSpPr>
+        <p:cNvPr id="1" name=""/>
+        <p:cNvGrpSpPr/>
+        <p:nvPr/>
+      </p:nvGrpSpPr>
+      <p:grpSpPr>
+        <a:xfrm>
+          <a:off x="0" y="0"/>
+          <a:ext cx="0" cy="0"/>
+          <a:chOff x="0" y="0"/>
+          <a:chExt cx="0" cy="0"/>
+        </a:xfrm>
+      </p:grpSpPr>
+      <p:sp>
+        <p:nvSpPr>
+          <p:cNvPr id="2" name="Title 1">
+            <a:extLst>
+              <a:ext uri="{FF2B5EF4-FFF2-40B4-BE49-F238E27FC236}">
+                <a16:creationId xmlns:a16="http://schemas.microsoft.com/office/drawing/2014/main" id="{D86A5EBD-C2E2-450A-8E23-F4E0E06856AA}"/>
+              </a:ext>
+            </a:extLst>
+          </p:cNvPr>
+          <p:cNvSpPr>
+            <a:spLocks noGrp="1"/>
+          </p:cNvSpPr>
+          <p:nvPr>
+            <p:ph type="title"/>
+          </p:nvPr>
+        </p:nvSpPr>
+        <p:spPr/>
+        <p:txBody>
+          <a:bodyPr/>
+          <a:lstStyle/>
+          <a:p>
+            <a:r>
+              <a:rPr lang="en-IN" dirty="0"/>
+              <a:t>Final Result of Probable Locations </a:t>
+            </a:r>
+          </a:p>
+        </p:txBody>
+      </p:sp>
+      <p:pic>
+        <p:nvPicPr>
+          <p:cNvPr id="4" name="Content Placeholder 3">
+            <a:extLst>
+              <a:ext uri="{FF2B5EF4-FFF2-40B4-BE49-F238E27FC236}">
+                <a16:creationId xmlns:a16="http://schemas.microsoft.com/office/drawing/2014/main" id="{742A2916-4EF9-4EC8-B215-3C981F34B649}"/>
+              </a:ext>
+            </a:extLst>
+          </p:cNvPr>
+          <p:cNvPicPr>
+            <a:picLocks noGrp="1" noChangeAspect="1"/>
+          </p:cNvPicPr>
+          <p:nvPr>
+            <p:ph idx="1"/>
+          </p:nvPr>
+        </p:nvPicPr>
+        <p:blipFill>
+          <a:blip r:embed="rId2"/>
+          <a:stretch>
+            <a:fillRect/>
+          </a:stretch>
+        </p:blipFill>
+        <p:spPr>
+          <a:xfrm>
+            <a:off x="1115568" y="2093656"/>
+            <a:ext cx="6354377" cy="2126590"/>
+          </a:xfrm>
+          <a:prstGeom prst="rect">
+            <a:avLst/>
+          </a:prstGeom>
+        </p:spPr>
+      </p:pic>
+      <p:pic>
+        <p:nvPicPr>
+          <p:cNvPr id="5" name="Picture 4">
+            <a:extLst>
+              <a:ext uri="{FF2B5EF4-FFF2-40B4-BE49-F238E27FC236}">
+                <a16:creationId xmlns:a16="http://schemas.microsoft.com/office/drawing/2014/main" id="{BD2B4760-1A18-42DE-AC18-F0D965FDE7B3}"/>
+              </a:ext>
+            </a:extLst>
+          </p:cNvPr>
+          <p:cNvPicPr>
+            <a:picLocks noChangeAspect="1"/>
+          </p:cNvPicPr>
+          <p:nvPr/>
+        </p:nvPicPr>
+        <p:blipFill>
+          <a:blip r:embed="rId3"/>
+          <a:stretch>
+            <a:fillRect/>
+          </a:stretch>
+        </p:blipFill>
+        <p:spPr>
+          <a:xfrm>
+            <a:off x="1244624" y="4450616"/>
+            <a:ext cx="5324989" cy="2407384"/>
+          </a:xfrm>
+          <a:prstGeom prst="rect">
+            <a:avLst/>
+          </a:prstGeom>
+        </p:spPr>
+      </p:pic>
+    </p:spTree>
+    <p:extLst>
+      <p:ext uri="{BB962C8B-B14F-4D97-AF65-F5344CB8AC3E}">
+        <p14:creationId xmlns:p14="http://schemas.microsoft.com/office/powerpoint/2010/main" val="1720433989"/>
+      </p:ext>
+    </p:extLst>
+  </p:cSld>
+  <p:clrMapOvr>
+    <a:masterClrMapping/>
+  </p:clrMapOvr>
+</p:sld>
+</file>
+
+<file path=ppt/slides/slide12.xml><?xml version="1.0" encoding="utf-8"?>
+<p:sld xmlns:a="http://schemas.openxmlformats.org/drawingml/2006/main" xmlns:r="http://schemas.openxmlformats.org/officeDocument/2006/relationships" xmlns:p="http://schemas.openxmlformats.org/presentationml/2006/main">
+  <p:cSld>
+    <p:spTree>
+      <p:nvGrpSpPr>
+        <p:cNvPr id="1" name=""/>
+        <p:cNvGrpSpPr/>
+        <p:nvPr/>
+      </p:nvGrpSpPr>
+      <p:grpSpPr>
+        <a:xfrm>
+          <a:off x="0" y="0"/>
+          <a:ext cx="0" cy="0"/>
+          <a:chOff x="0" y="0"/>
+          <a:chExt cx="0" cy="0"/>
+        </a:xfrm>
+      </p:grpSpPr>
+      <p:sp>
+        <p:nvSpPr>
+          <p:cNvPr id="2" name="Title 1">
+            <a:extLst>
+              <a:ext uri="{FF2B5EF4-FFF2-40B4-BE49-F238E27FC236}">
+                <a16:creationId xmlns:a16="http://schemas.microsoft.com/office/drawing/2014/main" id="{CF7F9E2E-CBE4-4698-ABBA-615D2A70CF76}"/>
+              </a:ext>
+            </a:extLst>
+          </p:cNvPr>
+          <p:cNvSpPr>
+            <a:spLocks noGrp="1"/>
+          </p:cNvSpPr>
+          <p:nvPr>
+            <p:ph type="title"/>
+          </p:nvPr>
+        </p:nvSpPr>
+        <p:spPr/>
+        <p:txBody>
+          <a:bodyPr/>
+          <a:lstStyle/>
+          <a:p>
+            <a:r>
+              <a:rPr lang="en-IN" dirty="0"/>
+              <a:t>Conclusion </a:t>
+            </a:r>
+          </a:p>
+        </p:txBody>
+      </p:sp>
+      <p:sp>
+        <p:nvSpPr>
+          <p:cNvPr id="3" name="Content Placeholder 2">
+            <a:extLst>
+              <a:ext uri="{FF2B5EF4-FFF2-40B4-BE49-F238E27FC236}">
+                <a16:creationId xmlns:a16="http://schemas.microsoft.com/office/drawing/2014/main" id="{FB3EF9B3-0B95-497D-80CC-12FA443A5FB1}"/>
+              </a:ext>
+            </a:extLst>
+          </p:cNvPr>
+          <p:cNvSpPr>
+            <a:spLocks noGrp="1"/>
+          </p:cNvSpPr>
+          <p:nvPr>
+            <p:ph idx="1"/>
+          </p:nvPr>
+        </p:nvSpPr>
+        <p:spPr/>
+        <p:txBody>
+          <a:bodyPr/>
+          <a:lstStyle/>
+          <a:p>
+            <a:r>
+              <a:rPr lang="en-IN" dirty="0"/>
+              <a:t>The addresses are mere Starting Points for further exploration by stake holders </a:t>
+            </a:r>
+          </a:p>
+          <a:p>
+            <a:r>
+              <a:rPr lang="en-IN" dirty="0"/>
+              <a:t>Additional information like Real Estate rates, Population demographics of the area would aid in </a:t>
+            </a:r>
+            <a:r>
+              <a:rPr lang="en-IN"/>
+              <a:t>further refinement.</a:t>
+            </a:r>
+            <a:endParaRPr lang="en-IN" dirty="0"/>
+          </a:p>
+        </p:txBody>
+      </p:sp>
+    </p:spTree>
+    <p:extLst>
+      <p:ext uri="{BB962C8B-B14F-4D97-AF65-F5344CB8AC3E}">
+        <p14:creationId xmlns:p14="http://schemas.microsoft.com/office/powerpoint/2010/main" val="4009729017"/>
+      </p:ext>
+    </p:extLst>
+  </p:cSld>
+  <p:clrMapOvr>
+    <a:masterClrMapping/>
+  </p:clrMapOvr>
+</p:sld>
+</file>
+
 <file path=ppt/slides/slide2.xml><?xml version="1.0" encoding="utf-8"?>
 <p:sld xmlns:a="http://schemas.openxmlformats.org/drawingml/2006/main" xmlns:r="http://schemas.openxmlformats.org/officeDocument/2006/relationships" xmlns:p="http://schemas.openxmlformats.org/presentationml/2006/main">
   <p:cSld>
@@ -5654,7 +6108,7 @@
           <p:cNvPr id="2" name="Title 1">
             <a:extLst>
               <a:ext uri="{FF2B5EF4-FFF2-40B4-BE49-F238E27FC236}">
-                <a16:creationId xmlns:a16="http://schemas.microsoft.com/office/drawing/2014/main" id="{4E0B51A3-CC97-4613-91DD-66FD7895DD26}"/>
+                <a16:creationId xmlns:a16="http://schemas.microsoft.com/office/drawing/2014/main" id="{B9D464FC-9DB9-4181-B6FA-B980AA056EFA}"/>
               </a:ext>
             </a:extLst>
           </p:cNvPr>
@@ -5665,86 +6119,354 @@
             <p:ph type="title"/>
           </p:nvPr>
         </p:nvSpPr>
-        <p:spPr/>
+        <p:spPr>
+          <a:xfrm>
+            <a:off x="1115568" y="520505"/>
+            <a:ext cx="10168128" cy="1179576"/>
+          </a:xfrm>
+        </p:spPr>
         <p:txBody>
           <a:bodyPr/>
           <a:lstStyle/>
           <a:p>
             <a:r>
               <a:rPr lang="en-IN" dirty="0"/>
-              <a:t>Methodology</a:t>
-            </a:r>
-          </a:p>
-        </p:txBody>
-      </p:sp>
-      <p:sp>
-        <p:nvSpPr>
-          <p:cNvPr id="3" name="Content Placeholder 2">
-            <a:extLst>
-              <a:ext uri="{FF2B5EF4-FFF2-40B4-BE49-F238E27FC236}">
-                <a16:creationId xmlns:a16="http://schemas.microsoft.com/office/drawing/2014/main" id="{FC5AD117-EFFE-41AB-9FFE-A3EACF06E7D3}"/>
-              </a:ext>
-            </a:extLst>
-          </p:cNvPr>
-          <p:cNvSpPr>
-            <a:spLocks noGrp="1"/>
-          </p:cNvSpPr>
+              <a:t>Stages of Data Acquisition </a:t>
+            </a:r>
+          </a:p>
+        </p:txBody>
+      </p:sp>
+      <p:pic>
+        <p:nvPicPr>
+          <p:cNvPr id="4" name="Content Placeholder 3">
+            <a:extLst>
+              <a:ext uri="{FF2B5EF4-FFF2-40B4-BE49-F238E27FC236}">
+                <a16:creationId xmlns:a16="http://schemas.microsoft.com/office/drawing/2014/main" id="{180A78D6-5796-4A00-8711-2F956C43C41D}"/>
+              </a:ext>
+            </a:extLst>
+          </p:cNvPr>
+          <p:cNvPicPr>
+            <a:picLocks noGrp="1" noChangeAspect="1"/>
+          </p:cNvPicPr>
           <p:nvPr>
             <p:ph idx="1"/>
           </p:nvPr>
-        </p:nvSpPr>
-        <p:spPr/>
-        <p:txBody>
-          <a:bodyPr>
-            <a:normAutofit fontScale="92500" lnSpcReduction="10000"/>
+        </p:nvPicPr>
+        <p:blipFill>
+          <a:blip r:embed="rId2"/>
+          <a:stretch>
+            <a:fillRect/>
+          </a:stretch>
+        </p:blipFill>
+        <p:spPr>
+          <a:xfrm>
+            <a:off x="1115568" y="2619375"/>
+            <a:ext cx="3038475" cy="1619250"/>
+          </a:xfrm>
+          <a:prstGeom prst="rect">
+            <a:avLst/>
+          </a:prstGeom>
+        </p:spPr>
+      </p:pic>
+      <p:pic>
+        <p:nvPicPr>
+          <p:cNvPr id="5" name="Picture 4">
+            <a:extLst>
+              <a:ext uri="{FF2B5EF4-FFF2-40B4-BE49-F238E27FC236}">
+                <a16:creationId xmlns:a16="http://schemas.microsoft.com/office/drawing/2014/main" id="{D4204A68-F1A0-442F-ACAE-96605A790EA6}"/>
+              </a:ext>
+            </a:extLst>
+          </p:cNvPr>
+          <p:cNvPicPr>
+            <a:picLocks noChangeAspect="1"/>
+          </p:cNvPicPr>
+          <p:nvPr/>
+        </p:nvPicPr>
+        <p:blipFill>
+          <a:blip r:embed="rId3"/>
+          <a:stretch>
+            <a:fillRect/>
+          </a:stretch>
+        </p:blipFill>
+        <p:spPr>
+          <a:xfrm>
+            <a:off x="4789138" y="2619375"/>
+            <a:ext cx="1597554" cy="1516527"/>
+          </a:xfrm>
+          <a:prstGeom prst="rect">
+            <a:avLst/>
+          </a:prstGeom>
+        </p:spPr>
+      </p:pic>
+      <p:pic>
+        <p:nvPicPr>
+          <p:cNvPr id="6" name="Picture 5">
+            <a:extLst>
+              <a:ext uri="{FF2B5EF4-FFF2-40B4-BE49-F238E27FC236}">
+                <a16:creationId xmlns:a16="http://schemas.microsoft.com/office/drawing/2014/main" id="{213AD0DF-32B5-47C4-ACD6-A22A3E3E3022}"/>
+              </a:ext>
+            </a:extLst>
+          </p:cNvPr>
+          <p:cNvPicPr>
+            <a:picLocks noChangeAspect="1"/>
+          </p:cNvPicPr>
+          <p:nvPr/>
+        </p:nvPicPr>
+        <p:blipFill>
+          <a:blip r:embed="rId4"/>
+          <a:stretch>
+            <a:fillRect/>
+          </a:stretch>
+        </p:blipFill>
+        <p:spPr>
+          <a:xfrm>
+            <a:off x="1229574" y="4635366"/>
+            <a:ext cx="2275890" cy="2011619"/>
+          </a:xfrm>
+          <a:prstGeom prst="rect">
+            <a:avLst/>
+          </a:prstGeom>
+        </p:spPr>
+      </p:pic>
+      <p:pic>
+        <p:nvPicPr>
+          <p:cNvPr id="7" name="Picture 6">
+            <a:extLst>
+              <a:ext uri="{FF2B5EF4-FFF2-40B4-BE49-F238E27FC236}">
+                <a16:creationId xmlns:a16="http://schemas.microsoft.com/office/drawing/2014/main" id="{F0532A87-F256-47BA-8E57-ED5ED34D02B7}"/>
+              </a:ext>
+            </a:extLst>
+          </p:cNvPr>
+          <p:cNvPicPr>
+            <a:picLocks noChangeAspect="1"/>
+          </p:cNvPicPr>
+          <p:nvPr/>
+        </p:nvPicPr>
+        <p:blipFill>
+          <a:blip r:embed="rId5"/>
+          <a:stretch>
+            <a:fillRect/>
+          </a:stretch>
+        </p:blipFill>
+        <p:spPr>
+          <a:xfrm>
+            <a:off x="8677141" y="2619376"/>
+            <a:ext cx="1597554" cy="1466822"/>
+          </a:xfrm>
+          <a:prstGeom prst="rect">
+            <a:avLst/>
+          </a:prstGeom>
+        </p:spPr>
+      </p:pic>
+      <p:sp>
+        <p:nvSpPr>
+          <p:cNvPr id="8" name="TextBox 7">
+            <a:extLst>
+              <a:ext uri="{FF2B5EF4-FFF2-40B4-BE49-F238E27FC236}">
+                <a16:creationId xmlns:a16="http://schemas.microsoft.com/office/drawing/2014/main" id="{EED7D40A-E84A-482F-BB17-8D85B86947F5}"/>
+              </a:ext>
+            </a:extLst>
+          </p:cNvPr>
+          <p:cNvSpPr txBox="1"/>
+          <p:nvPr/>
+        </p:nvSpPr>
+        <p:spPr>
+          <a:xfrm>
+            <a:off x="614276" y="2241335"/>
+            <a:ext cx="4709892" cy="246221"/>
+          </a:xfrm>
+          <a:prstGeom prst="rect">
+            <a:avLst/>
+          </a:prstGeom>
+          <a:noFill/>
+        </p:spPr>
+        <p:txBody>
+          <a:bodyPr wrap="square" rtlCol="0">
+            <a:spAutoFit/>
           </a:bodyPr>
           <a:lstStyle/>
           <a:p>
             <a:r>
-              <a:rPr lang="en-IN" dirty="0"/>
-              <a:t>Analyse the extracted data to determine Primary locations of interest.</a:t>
-            </a:r>
-          </a:p>
-          <a:p>
-            <a:r>
-              <a:rPr lang="en-IN" dirty="0"/>
-              <a:t>Do an exploratory analysis to determine Secondary Locations of Interest . </a:t>
-            </a:r>
-          </a:p>
-          <a:p>
-            <a:r>
-              <a:rPr lang="en-IN" dirty="0"/>
-              <a:t>Using </a:t>
-            </a:r>
-            <a:r>
-              <a:rPr lang="en-IN" dirty="0" err="1"/>
-              <a:t>Kmeans</a:t>
-            </a:r>
-            <a:r>
-              <a:rPr lang="en-IN" dirty="0"/>
-              <a:t> Clustering Algorithm identify Primary and Secondary Clusters of interest </a:t>
-            </a:r>
-          </a:p>
-          <a:p>
-            <a:r>
-              <a:rPr lang="en-IN" dirty="0"/>
-              <a:t>Use Reverse Geocoding to determine the addresses of the </a:t>
-            </a:r>
-            <a:r>
-              <a:rPr lang="en-IN" dirty="0" err="1"/>
-              <a:t>the</a:t>
-            </a:r>
-            <a:r>
-              <a:rPr lang="en-IN" dirty="0"/>
-              <a:t> clusters as the final result </a:t>
-            </a:r>
-          </a:p>
-        </p:txBody>
-      </p:sp>
+              <a:rPr lang="en-IN" sz="1000" dirty="0"/>
+              <a:t>Get Spatial Coordinates of Each Location </a:t>
+            </a:r>
+          </a:p>
+        </p:txBody>
+      </p:sp>
+      <p:sp>
+        <p:nvSpPr>
+          <p:cNvPr id="9" name="TextBox 8">
+            <a:extLst>
+              <a:ext uri="{FF2B5EF4-FFF2-40B4-BE49-F238E27FC236}">
+                <a16:creationId xmlns:a16="http://schemas.microsoft.com/office/drawing/2014/main" id="{EFE4655F-36E5-4FBC-B7C4-044E450FCCC1}"/>
+              </a:ext>
+            </a:extLst>
+          </p:cNvPr>
+          <p:cNvSpPr txBox="1"/>
+          <p:nvPr/>
+        </p:nvSpPr>
+        <p:spPr>
+          <a:xfrm>
+            <a:off x="3741054" y="2241334"/>
+            <a:ext cx="4709892" cy="246221"/>
+          </a:xfrm>
+          <a:prstGeom prst="rect">
+            <a:avLst/>
+          </a:prstGeom>
+          <a:noFill/>
+        </p:spPr>
+        <p:txBody>
+          <a:bodyPr wrap="square" rtlCol="0">
+            <a:spAutoFit/>
+          </a:bodyPr>
+          <a:lstStyle/>
+          <a:p>
+            <a:r>
+              <a:rPr lang="en-IN" sz="1000" dirty="0"/>
+              <a:t>Plot Each Location and do comparative study to find Effective Radius </a:t>
+            </a:r>
+          </a:p>
+        </p:txBody>
+      </p:sp>
+      <p:sp>
+        <p:nvSpPr>
+          <p:cNvPr id="10" name="TextBox 9">
+            <a:extLst>
+              <a:ext uri="{FF2B5EF4-FFF2-40B4-BE49-F238E27FC236}">
+                <a16:creationId xmlns:a16="http://schemas.microsoft.com/office/drawing/2014/main" id="{C20DE9D9-2F89-4948-B29D-6C0D5AF73421}"/>
+              </a:ext>
+            </a:extLst>
+          </p:cNvPr>
+          <p:cNvSpPr txBox="1"/>
+          <p:nvPr/>
+        </p:nvSpPr>
+        <p:spPr>
+          <a:xfrm>
+            <a:off x="8127830" y="2241334"/>
+            <a:ext cx="4709892" cy="246221"/>
+          </a:xfrm>
+          <a:prstGeom prst="rect">
+            <a:avLst/>
+          </a:prstGeom>
+          <a:noFill/>
+        </p:spPr>
+        <p:txBody>
+          <a:bodyPr wrap="square" rtlCol="0">
+            <a:spAutoFit/>
+          </a:bodyPr>
+          <a:lstStyle/>
+          <a:p>
+            <a:r>
+              <a:rPr lang="en-IN" sz="1000" dirty="0"/>
+              <a:t>The effective Radius shown as Green Circle Denotes area of Analysis </a:t>
+            </a:r>
+          </a:p>
+        </p:txBody>
+      </p:sp>
+      <p:sp>
+        <p:nvSpPr>
+          <p:cNvPr id="11" name="TextBox 10">
+            <a:extLst>
+              <a:ext uri="{FF2B5EF4-FFF2-40B4-BE49-F238E27FC236}">
+                <a16:creationId xmlns:a16="http://schemas.microsoft.com/office/drawing/2014/main" id="{1746AB0E-9F5C-4FD8-AE81-636722B99BD2}"/>
+              </a:ext>
+            </a:extLst>
+          </p:cNvPr>
+          <p:cNvSpPr txBox="1"/>
+          <p:nvPr/>
+        </p:nvSpPr>
+        <p:spPr>
+          <a:xfrm>
+            <a:off x="614276" y="4313885"/>
+            <a:ext cx="4709892" cy="246221"/>
+          </a:xfrm>
+          <a:prstGeom prst="rect">
+            <a:avLst/>
+          </a:prstGeom>
+          <a:noFill/>
+        </p:spPr>
+        <p:txBody>
+          <a:bodyPr wrap="square" rtlCol="0">
+            <a:spAutoFit/>
+          </a:bodyPr>
+          <a:lstStyle/>
+          <a:p>
+            <a:r>
+              <a:rPr lang="en-IN" sz="1000" dirty="0"/>
+              <a:t>Entire Area of Bangalore is Divided into Circular Cells of 500 M Radius </a:t>
+            </a:r>
+          </a:p>
+        </p:txBody>
+      </p:sp>
+      <p:sp>
+        <p:nvSpPr>
+          <p:cNvPr id="13" name="TextBox 12">
+            <a:extLst>
+              <a:ext uri="{FF2B5EF4-FFF2-40B4-BE49-F238E27FC236}">
+                <a16:creationId xmlns:a16="http://schemas.microsoft.com/office/drawing/2014/main" id="{9655DB5F-8355-4D8B-8F4B-56ACA95084EA}"/>
+              </a:ext>
+            </a:extLst>
+          </p:cNvPr>
+          <p:cNvSpPr txBox="1"/>
+          <p:nvPr/>
+        </p:nvSpPr>
+        <p:spPr>
+          <a:xfrm>
+            <a:off x="4945678" y="4350490"/>
+            <a:ext cx="7462925" cy="246221"/>
+          </a:xfrm>
+          <a:prstGeom prst="rect">
+            <a:avLst/>
+          </a:prstGeom>
+          <a:noFill/>
+        </p:spPr>
+        <p:txBody>
+          <a:bodyPr wrap="square" rtlCol="0">
+            <a:spAutoFit/>
+          </a:bodyPr>
+          <a:lstStyle/>
+          <a:p>
+            <a:r>
+              <a:rPr lang="en-IN" sz="1000" dirty="0"/>
+              <a:t>For each Cell the Spatial Coordinates and Cartesian Coordinates</a:t>
+            </a:r>
+          </a:p>
+        </p:txBody>
+      </p:sp>
+      <p:pic>
+        <p:nvPicPr>
+          <p:cNvPr id="16" name="Picture 15">
+            <a:extLst>
+              <a:ext uri="{FF2B5EF4-FFF2-40B4-BE49-F238E27FC236}">
+                <a16:creationId xmlns:a16="http://schemas.microsoft.com/office/drawing/2014/main" id="{899EC102-910E-4DFD-AD95-B9F6881B24AA}"/>
+              </a:ext>
+            </a:extLst>
+          </p:cNvPr>
+          <p:cNvPicPr>
+            <a:picLocks noChangeAspect="1"/>
+          </p:cNvPicPr>
+          <p:nvPr/>
+        </p:nvPicPr>
+        <p:blipFill>
+          <a:blip r:embed="rId6"/>
+          <a:stretch>
+            <a:fillRect/>
+          </a:stretch>
+        </p:blipFill>
+        <p:spPr>
+          <a:xfrm>
+            <a:off x="4379742" y="4879537"/>
+            <a:ext cx="7496175" cy="1524000"/>
+          </a:xfrm>
+          <a:prstGeom prst="rect">
+            <a:avLst/>
+          </a:prstGeom>
+        </p:spPr>
+      </p:pic>
     </p:spTree>
     <p:extLst>
       <p:ext uri="{BB962C8B-B14F-4D97-AF65-F5344CB8AC3E}">
-        <p14:creationId xmlns:p14="http://schemas.microsoft.com/office/powerpoint/2010/main" val="828739167"/>
+        <p14:creationId xmlns:p14="http://schemas.microsoft.com/office/powerpoint/2010/main" val="3861695355"/>
       </p:ext>
     </p:extLst>
   </p:cSld>
@@ -5776,7 +6498,7 @@
           <p:cNvPr id="2" name="Title 1">
             <a:extLst>
               <a:ext uri="{FF2B5EF4-FFF2-40B4-BE49-F238E27FC236}">
-                <a16:creationId xmlns:a16="http://schemas.microsoft.com/office/drawing/2014/main" id="{CF7F9E2E-CBE4-4698-ABBA-615D2A70CF76}"/>
+                <a16:creationId xmlns:a16="http://schemas.microsoft.com/office/drawing/2014/main" id="{A01140C8-481A-4401-B901-0B71E5FB2B3E}"/>
               </a:ext>
             </a:extLst>
           </p:cNvPr>
@@ -5794,54 +6516,670 @@
           <a:p>
             <a:r>
               <a:rPr lang="en-IN" dirty="0"/>
-              <a:t>Conclusion </a:t>
-            </a:r>
-          </a:p>
-        </p:txBody>
-      </p:sp>
-      <p:sp>
-        <p:nvSpPr>
-          <p:cNvPr id="3" name="Content Placeholder 2">
-            <a:extLst>
-              <a:ext uri="{FF2B5EF4-FFF2-40B4-BE49-F238E27FC236}">
-                <a16:creationId xmlns:a16="http://schemas.microsoft.com/office/drawing/2014/main" id="{FB3EF9B3-0B95-497D-80CC-12FA443A5FB1}"/>
-              </a:ext>
-            </a:extLst>
-          </p:cNvPr>
-          <p:cNvSpPr>
-            <a:spLocks noGrp="1"/>
-          </p:cNvSpPr>
+              <a:t>Data Refinement </a:t>
+            </a:r>
+          </a:p>
+        </p:txBody>
+      </p:sp>
+      <p:pic>
+        <p:nvPicPr>
+          <p:cNvPr id="4" name="Content Placeholder 3">
+            <a:extLst>
+              <a:ext uri="{FF2B5EF4-FFF2-40B4-BE49-F238E27FC236}">
+                <a16:creationId xmlns:a16="http://schemas.microsoft.com/office/drawing/2014/main" id="{5F469450-A8D6-4464-A857-05D306A299CE}"/>
+              </a:ext>
+            </a:extLst>
+          </p:cNvPr>
+          <p:cNvPicPr>
+            <a:picLocks noGrp="1" noChangeAspect="1"/>
+          </p:cNvPicPr>
           <p:nvPr>
             <p:ph idx="1"/>
           </p:nvPr>
-        </p:nvSpPr>
-        <p:spPr/>
-        <p:txBody>
-          <a:bodyPr/>
+        </p:nvPicPr>
+        <p:blipFill>
+          <a:blip r:embed="rId2"/>
+          <a:stretch>
+            <a:fillRect/>
+          </a:stretch>
+        </p:blipFill>
+        <p:spPr>
+          <a:xfrm>
+            <a:off x="615571" y="4493232"/>
+            <a:ext cx="6990454" cy="1816528"/>
+          </a:xfrm>
+          <a:prstGeom prst="rect">
+            <a:avLst/>
+          </a:prstGeom>
+        </p:spPr>
+      </p:pic>
+      <p:pic>
+        <p:nvPicPr>
+          <p:cNvPr id="5" name="Picture 4">
+            <a:extLst>
+              <a:ext uri="{FF2B5EF4-FFF2-40B4-BE49-F238E27FC236}">
+                <a16:creationId xmlns:a16="http://schemas.microsoft.com/office/drawing/2014/main" id="{D52CBB0B-26DB-42FD-9C08-5BA322979B5C}"/>
+              </a:ext>
+            </a:extLst>
+          </p:cNvPr>
+          <p:cNvPicPr>
+            <a:picLocks noChangeAspect="1"/>
+          </p:cNvPicPr>
+          <p:nvPr/>
+        </p:nvPicPr>
+        <p:blipFill>
+          <a:blip r:embed="rId3"/>
+          <a:stretch>
+            <a:fillRect/>
+          </a:stretch>
+        </p:blipFill>
+        <p:spPr>
+          <a:xfrm>
+            <a:off x="5772391" y="2249423"/>
+            <a:ext cx="6181247" cy="1179577"/>
+          </a:xfrm>
+          <a:prstGeom prst="rect">
+            <a:avLst/>
+          </a:prstGeom>
+        </p:spPr>
+      </p:pic>
+      <p:pic>
+        <p:nvPicPr>
+          <p:cNvPr id="6" name="Picture 5">
+            <a:extLst>
+              <a:ext uri="{FF2B5EF4-FFF2-40B4-BE49-F238E27FC236}">
+                <a16:creationId xmlns:a16="http://schemas.microsoft.com/office/drawing/2014/main" id="{E35D5C8E-CF16-40FE-B19E-8338EA09C422}"/>
+              </a:ext>
+            </a:extLst>
+          </p:cNvPr>
+          <p:cNvPicPr>
+            <a:picLocks noChangeAspect="1"/>
+          </p:cNvPicPr>
+          <p:nvPr/>
+        </p:nvPicPr>
+        <p:blipFill>
+          <a:blip r:embed="rId4"/>
+          <a:stretch>
+            <a:fillRect/>
+          </a:stretch>
+        </p:blipFill>
+        <p:spPr>
+          <a:xfrm>
+            <a:off x="373271" y="2480913"/>
+            <a:ext cx="5232723" cy="1063832"/>
+          </a:xfrm>
+          <a:prstGeom prst="rect">
+            <a:avLst/>
+          </a:prstGeom>
+        </p:spPr>
+      </p:pic>
+      <p:sp>
+        <p:nvSpPr>
+          <p:cNvPr id="7" name="TextBox 6">
+            <a:extLst>
+              <a:ext uri="{FF2B5EF4-FFF2-40B4-BE49-F238E27FC236}">
+                <a16:creationId xmlns:a16="http://schemas.microsoft.com/office/drawing/2014/main" id="{060C4F73-9AB4-466F-BA17-6A381A644B5C}"/>
+              </a:ext>
+            </a:extLst>
+          </p:cNvPr>
+          <p:cNvSpPr txBox="1"/>
+          <p:nvPr/>
+        </p:nvSpPr>
+        <p:spPr>
+          <a:xfrm>
+            <a:off x="615571" y="3997031"/>
+            <a:ext cx="7990448" cy="369332"/>
+          </a:xfrm>
+          <a:prstGeom prst="rect">
+            <a:avLst/>
+          </a:prstGeom>
+          <a:noFill/>
+        </p:spPr>
+        <p:txBody>
+          <a:bodyPr wrap="square" rtlCol="0">
+            <a:spAutoFit/>
+          </a:bodyPr>
           <a:lstStyle/>
           <a:p>
             <a:r>
               <a:rPr lang="en-IN" dirty="0"/>
-              <a:t>The addresses are mere Starting Points for further exploration by stake holders </a:t>
-            </a:r>
-          </a:p>
-          <a:p>
-            <a:r>
-              <a:rPr lang="en-IN" dirty="0"/>
-              <a:t>Additional information like Real Estate rates, Population demographics of the area would aid in </a:t>
-            </a:r>
-            <a:r>
-              <a:rPr lang="en-IN"/>
-              <a:t>further refinement.</a:t>
-            </a:r>
-            <a:endParaRPr lang="en-IN" dirty="0"/>
+              <a:t>Above Data is Combined to Arrive at following final data for Exploration </a:t>
+            </a:r>
           </a:p>
         </p:txBody>
       </p:sp>
     </p:spTree>
     <p:extLst>
       <p:ext uri="{BB962C8B-B14F-4D97-AF65-F5344CB8AC3E}">
-        <p14:creationId xmlns:p14="http://schemas.microsoft.com/office/powerpoint/2010/main" val="4009729017"/>
+        <p14:creationId xmlns:p14="http://schemas.microsoft.com/office/powerpoint/2010/main" val="2477782602"/>
+      </p:ext>
+    </p:extLst>
+  </p:cSld>
+  <p:clrMapOvr>
+    <a:masterClrMapping/>
+  </p:clrMapOvr>
+</p:sld>
+</file>
+
+<file path=ppt/slides/slide6.xml><?xml version="1.0" encoding="utf-8"?>
+<p:sld xmlns:a="http://schemas.openxmlformats.org/drawingml/2006/main" xmlns:r="http://schemas.openxmlformats.org/officeDocument/2006/relationships" xmlns:p="http://schemas.openxmlformats.org/presentationml/2006/main">
+  <p:cSld>
+    <p:spTree>
+      <p:nvGrpSpPr>
+        <p:cNvPr id="1" name=""/>
+        <p:cNvGrpSpPr/>
+        <p:nvPr/>
+      </p:nvGrpSpPr>
+      <p:grpSpPr>
+        <a:xfrm>
+          <a:off x="0" y="0"/>
+          <a:ext cx="0" cy="0"/>
+          <a:chOff x="0" y="0"/>
+          <a:chExt cx="0" cy="0"/>
+        </a:xfrm>
+      </p:grpSpPr>
+      <p:sp>
+        <p:nvSpPr>
+          <p:cNvPr id="2" name="Title 1">
+            <a:extLst>
+              <a:ext uri="{FF2B5EF4-FFF2-40B4-BE49-F238E27FC236}">
+                <a16:creationId xmlns:a16="http://schemas.microsoft.com/office/drawing/2014/main" id="{4E0B51A3-CC97-4613-91DD-66FD7895DD26}"/>
+              </a:ext>
+            </a:extLst>
+          </p:cNvPr>
+          <p:cNvSpPr>
+            <a:spLocks noGrp="1"/>
+          </p:cNvSpPr>
+          <p:nvPr>
+            <p:ph type="title"/>
+          </p:nvPr>
+        </p:nvSpPr>
+        <p:spPr/>
+        <p:txBody>
+          <a:bodyPr/>
+          <a:lstStyle/>
+          <a:p>
+            <a:r>
+              <a:rPr lang="en-IN" dirty="0"/>
+              <a:t>Methodology</a:t>
+            </a:r>
+          </a:p>
+        </p:txBody>
+      </p:sp>
+      <p:sp>
+        <p:nvSpPr>
+          <p:cNvPr id="3" name="Content Placeholder 2">
+            <a:extLst>
+              <a:ext uri="{FF2B5EF4-FFF2-40B4-BE49-F238E27FC236}">
+                <a16:creationId xmlns:a16="http://schemas.microsoft.com/office/drawing/2014/main" id="{FC5AD117-EFFE-41AB-9FFE-A3EACF06E7D3}"/>
+              </a:ext>
+            </a:extLst>
+          </p:cNvPr>
+          <p:cNvSpPr>
+            <a:spLocks noGrp="1"/>
+          </p:cNvSpPr>
+          <p:nvPr>
+            <p:ph idx="1"/>
+          </p:nvPr>
+        </p:nvSpPr>
+        <p:spPr/>
+        <p:txBody>
+          <a:bodyPr>
+            <a:normAutofit fontScale="92500" lnSpcReduction="10000"/>
+          </a:bodyPr>
+          <a:lstStyle/>
+          <a:p>
+            <a:r>
+              <a:rPr lang="en-IN" dirty="0"/>
+              <a:t>Analyse the extracted data to determine Primary locations of interest.</a:t>
+            </a:r>
+          </a:p>
+          <a:p>
+            <a:r>
+              <a:rPr lang="en-IN" dirty="0"/>
+              <a:t>Do an exploratory analysis to determine Secondary Locations of Interest . </a:t>
+            </a:r>
+          </a:p>
+          <a:p>
+            <a:r>
+              <a:rPr lang="en-IN" dirty="0"/>
+              <a:t>Using </a:t>
+            </a:r>
+            <a:r>
+              <a:rPr lang="en-IN" dirty="0" err="1"/>
+              <a:t>Kmeans</a:t>
+            </a:r>
+            <a:r>
+              <a:rPr lang="en-IN" dirty="0"/>
+              <a:t> Clustering Algorithm identify Primary and Secondary Clusters of interest </a:t>
+            </a:r>
+          </a:p>
+          <a:p>
+            <a:r>
+              <a:rPr lang="en-IN" dirty="0"/>
+              <a:t>Use Reverse Geocoding to determine the addresses of the </a:t>
+            </a:r>
+            <a:r>
+              <a:rPr lang="en-IN" dirty="0" err="1"/>
+              <a:t>the</a:t>
+            </a:r>
+            <a:r>
+              <a:rPr lang="en-IN" dirty="0"/>
+              <a:t> clusters as the final result </a:t>
+            </a:r>
+          </a:p>
+        </p:txBody>
+      </p:sp>
+    </p:spTree>
+    <p:extLst>
+      <p:ext uri="{BB962C8B-B14F-4D97-AF65-F5344CB8AC3E}">
+        <p14:creationId xmlns:p14="http://schemas.microsoft.com/office/powerpoint/2010/main" val="828739167"/>
+      </p:ext>
+    </p:extLst>
+  </p:cSld>
+  <p:clrMapOvr>
+    <a:masterClrMapping/>
+  </p:clrMapOvr>
+</p:sld>
+</file>
+
+<file path=ppt/slides/slide7.xml><?xml version="1.0" encoding="utf-8"?>
+<p:sld xmlns:a="http://schemas.openxmlformats.org/drawingml/2006/main" xmlns:r="http://schemas.openxmlformats.org/officeDocument/2006/relationships" xmlns:p="http://schemas.openxmlformats.org/presentationml/2006/main">
+  <p:cSld>
+    <p:spTree>
+      <p:nvGrpSpPr>
+        <p:cNvPr id="1" name=""/>
+        <p:cNvGrpSpPr/>
+        <p:nvPr/>
+      </p:nvGrpSpPr>
+      <p:grpSpPr>
+        <a:xfrm>
+          <a:off x="0" y="0"/>
+          <a:ext cx="0" cy="0"/>
+          <a:chOff x="0" y="0"/>
+          <a:chExt cx="0" cy="0"/>
+        </a:xfrm>
+      </p:grpSpPr>
+      <p:sp>
+        <p:nvSpPr>
+          <p:cNvPr id="2" name="Title 1">
+            <a:extLst>
+              <a:ext uri="{FF2B5EF4-FFF2-40B4-BE49-F238E27FC236}">
+                <a16:creationId xmlns:a16="http://schemas.microsoft.com/office/drawing/2014/main" id="{61ABD534-7DEE-48A9-948A-1EE57FCC1B06}"/>
+              </a:ext>
+            </a:extLst>
+          </p:cNvPr>
+          <p:cNvSpPr>
+            <a:spLocks noGrp="1"/>
+          </p:cNvSpPr>
+          <p:nvPr>
+            <p:ph type="title"/>
+          </p:nvPr>
+        </p:nvSpPr>
+        <p:spPr/>
+        <p:txBody>
+          <a:bodyPr>
+            <a:normAutofit fontScale="90000"/>
+          </a:bodyPr>
+          <a:lstStyle/>
+          <a:p>
+            <a:r>
+              <a:rPr lang="en-IN" dirty="0"/>
+              <a:t>Further Analysis of Data Collected in Previous Stage </a:t>
+            </a:r>
+          </a:p>
+        </p:txBody>
+      </p:sp>
+      <p:pic>
+        <p:nvPicPr>
+          <p:cNvPr id="4" name="Content Placeholder 3">
+            <a:extLst>
+              <a:ext uri="{FF2B5EF4-FFF2-40B4-BE49-F238E27FC236}">
+                <a16:creationId xmlns:a16="http://schemas.microsoft.com/office/drawing/2014/main" id="{9BFFAA7C-A81E-4F19-8A03-9964C71F1CA8}"/>
+              </a:ext>
+            </a:extLst>
+          </p:cNvPr>
+          <p:cNvPicPr>
+            <a:picLocks noGrp="1" noChangeAspect="1"/>
+          </p:cNvPicPr>
+          <p:nvPr>
+            <p:ph idx="1"/>
+          </p:nvPr>
+        </p:nvPicPr>
+        <p:blipFill>
+          <a:blip r:embed="rId2"/>
+          <a:stretch>
+            <a:fillRect/>
+          </a:stretch>
+        </p:blipFill>
+        <p:spPr>
+          <a:xfrm>
+            <a:off x="861292" y="2977135"/>
+            <a:ext cx="10058400" cy="2152650"/>
+          </a:xfrm>
+          <a:prstGeom prst="rect">
+            <a:avLst/>
+          </a:prstGeom>
+        </p:spPr>
+      </p:pic>
+      <p:sp>
+        <p:nvSpPr>
+          <p:cNvPr id="5" name="TextBox 4">
+            <a:extLst>
+              <a:ext uri="{FF2B5EF4-FFF2-40B4-BE49-F238E27FC236}">
+                <a16:creationId xmlns:a16="http://schemas.microsoft.com/office/drawing/2014/main" id="{57E8A924-7C2F-4074-AE09-B3F1F8696748}"/>
+              </a:ext>
+            </a:extLst>
+          </p:cNvPr>
+          <p:cNvSpPr txBox="1"/>
+          <p:nvPr/>
+        </p:nvSpPr>
+        <p:spPr>
+          <a:xfrm>
+            <a:off x="861292" y="2168009"/>
+            <a:ext cx="9365920" cy="369332"/>
+          </a:xfrm>
+          <a:prstGeom prst="rect">
+            <a:avLst/>
+          </a:prstGeom>
+          <a:noFill/>
+        </p:spPr>
+        <p:txBody>
+          <a:bodyPr wrap="square" rtlCol="0">
+            <a:spAutoFit/>
+          </a:bodyPr>
+          <a:lstStyle/>
+          <a:p>
+            <a:r>
+              <a:rPr lang="en-IN" dirty="0"/>
+              <a:t>We compute for each location distance to nearest  Gym, Yoga Centre and Amenities </a:t>
+            </a:r>
+          </a:p>
+        </p:txBody>
+      </p:sp>
+    </p:spTree>
+    <p:extLst>
+      <p:ext uri="{BB962C8B-B14F-4D97-AF65-F5344CB8AC3E}">
+        <p14:creationId xmlns:p14="http://schemas.microsoft.com/office/powerpoint/2010/main" val="2170099733"/>
+      </p:ext>
+    </p:extLst>
+  </p:cSld>
+  <p:clrMapOvr>
+    <a:masterClrMapping/>
+  </p:clrMapOvr>
+</p:sld>
+</file>
+
+<file path=ppt/slides/slide8.xml><?xml version="1.0" encoding="utf-8"?>
+<p:sld xmlns:a="http://schemas.openxmlformats.org/drawingml/2006/main" xmlns:r="http://schemas.openxmlformats.org/officeDocument/2006/relationships" xmlns:p="http://schemas.openxmlformats.org/presentationml/2006/main">
+  <p:cSld>
+    <p:spTree>
+      <p:nvGrpSpPr>
+        <p:cNvPr id="1" name=""/>
+        <p:cNvGrpSpPr/>
+        <p:nvPr/>
+      </p:nvGrpSpPr>
+      <p:grpSpPr>
+        <a:xfrm>
+          <a:off x="0" y="0"/>
+          <a:ext cx="0" cy="0"/>
+          <a:chOff x="0" y="0"/>
+          <a:chExt cx="0" cy="0"/>
+        </a:xfrm>
+      </p:grpSpPr>
+      <p:sp>
+        <p:nvSpPr>
+          <p:cNvPr id="2" name="Title 1">
+            <a:extLst>
+              <a:ext uri="{FF2B5EF4-FFF2-40B4-BE49-F238E27FC236}">
+                <a16:creationId xmlns:a16="http://schemas.microsoft.com/office/drawing/2014/main" id="{F5A21A08-B159-4AD8-82A4-1C5B562D61BB}"/>
+              </a:ext>
+            </a:extLst>
+          </p:cNvPr>
+          <p:cNvSpPr>
+            <a:spLocks noGrp="1"/>
+          </p:cNvSpPr>
+          <p:nvPr>
+            <p:ph type="title"/>
+          </p:nvPr>
+        </p:nvSpPr>
+        <p:spPr/>
+        <p:txBody>
+          <a:bodyPr/>
+          <a:lstStyle/>
+          <a:p>
+            <a:r>
+              <a:rPr lang="en-IN" dirty="0"/>
+              <a:t>Selecting Required Data </a:t>
+            </a:r>
+          </a:p>
+        </p:txBody>
+      </p:sp>
+      <p:sp>
+        <p:nvSpPr>
+          <p:cNvPr id="3" name="Content Placeholder 2">
+            <a:extLst>
+              <a:ext uri="{FF2B5EF4-FFF2-40B4-BE49-F238E27FC236}">
+                <a16:creationId xmlns:a16="http://schemas.microsoft.com/office/drawing/2014/main" id="{9C15F76A-E469-4EFB-A265-466501591590}"/>
+              </a:ext>
+            </a:extLst>
+          </p:cNvPr>
+          <p:cNvSpPr>
+            <a:spLocks noGrp="1"/>
+          </p:cNvSpPr>
+          <p:nvPr>
+            <p:ph idx="1"/>
+          </p:nvPr>
+        </p:nvSpPr>
+        <p:spPr/>
+        <p:txBody>
+          <a:bodyPr/>
+          <a:lstStyle/>
+          <a:p>
+            <a:r>
+              <a:rPr lang="en-IN" dirty="0"/>
+              <a:t>Using Panda </a:t>
+            </a:r>
+            <a:r>
+              <a:rPr lang="en-IN" dirty="0" err="1"/>
+              <a:t>Sql</a:t>
+            </a:r>
+            <a:r>
+              <a:rPr lang="en-IN" dirty="0"/>
+              <a:t> we derive our Desired Primary and Secondary Locations </a:t>
+            </a:r>
+          </a:p>
+          <a:p>
+            <a:endParaRPr lang="en-IN" dirty="0"/>
+          </a:p>
+        </p:txBody>
+      </p:sp>
+      <p:pic>
+        <p:nvPicPr>
+          <p:cNvPr id="5" name="Picture 4">
+            <a:extLst>
+              <a:ext uri="{FF2B5EF4-FFF2-40B4-BE49-F238E27FC236}">
+                <a16:creationId xmlns:a16="http://schemas.microsoft.com/office/drawing/2014/main" id="{E818FE4F-F093-48DE-B58A-83052BE470FE}"/>
+              </a:ext>
+            </a:extLst>
+          </p:cNvPr>
+          <p:cNvPicPr>
+            <a:picLocks noChangeAspect="1"/>
+          </p:cNvPicPr>
+          <p:nvPr/>
+        </p:nvPicPr>
+        <p:blipFill>
+          <a:blip r:embed="rId2"/>
+          <a:stretch>
+            <a:fillRect/>
+          </a:stretch>
+        </p:blipFill>
+        <p:spPr>
+          <a:xfrm>
+            <a:off x="1115568" y="3607191"/>
+            <a:ext cx="9496425" cy="1219200"/>
+          </a:xfrm>
+          <a:prstGeom prst="rect">
+            <a:avLst/>
+          </a:prstGeom>
+        </p:spPr>
+      </p:pic>
+      <p:pic>
+        <p:nvPicPr>
+          <p:cNvPr id="6" name="Picture 5">
+            <a:extLst>
+              <a:ext uri="{FF2B5EF4-FFF2-40B4-BE49-F238E27FC236}">
+                <a16:creationId xmlns:a16="http://schemas.microsoft.com/office/drawing/2014/main" id="{A4BAC0C7-5C0D-48C5-A29E-012E29DD5C2B}"/>
+              </a:ext>
+            </a:extLst>
+          </p:cNvPr>
+          <p:cNvPicPr>
+            <a:picLocks noChangeAspect="1"/>
+          </p:cNvPicPr>
+          <p:nvPr/>
+        </p:nvPicPr>
+        <p:blipFill>
+          <a:blip r:embed="rId3"/>
+          <a:stretch>
+            <a:fillRect/>
+          </a:stretch>
+        </p:blipFill>
+        <p:spPr>
+          <a:xfrm>
+            <a:off x="963167" y="5098806"/>
+            <a:ext cx="9801225" cy="1343025"/>
+          </a:xfrm>
+          <a:prstGeom prst="rect">
+            <a:avLst/>
+          </a:prstGeom>
+        </p:spPr>
+      </p:pic>
+    </p:spTree>
+    <p:extLst>
+      <p:ext uri="{BB962C8B-B14F-4D97-AF65-F5344CB8AC3E}">
+        <p14:creationId xmlns:p14="http://schemas.microsoft.com/office/powerpoint/2010/main" val="2168730165"/>
+      </p:ext>
+    </p:extLst>
+  </p:cSld>
+  <p:clrMapOvr>
+    <a:masterClrMapping/>
+  </p:clrMapOvr>
+</p:sld>
+</file>
+
+<file path=ppt/slides/slide9.xml><?xml version="1.0" encoding="utf-8"?>
+<p:sld xmlns:a="http://schemas.openxmlformats.org/drawingml/2006/main" xmlns:r="http://schemas.openxmlformats.org/officeDocument/2006/relationships" xmlns:p="http://schemas.openxmlformats.org/presentationml/2006/main">
+  <p:cSld>
+    <p:spTree>
+      <p:nvGrpSpPr>
+        <p:cNvPr id="1" name=""/>
+        <p:cNvGrpSpPr/>
+        <p:nvPr/>
+      </p:nvGrpSpPr>
+      <p:grpSpPr>
+        <a:xfrm>
+          <a:off x="0" y="0"/>
+          <a:ext cx="0" cy="0"/>
+          <a:chOff x="0" y="0"/>
+          <a:chExt cx="0" cy="0"/>
+        </a:xfrm>
+      </p:grpSpPr>
+      <p:sp>
+        <p:nvSpPr>
+          <p:cNvPr id="2" name="Title 1">
+            <a:extLst>
+              <a:ext uri="{FF2B5EF4-FFF2-40B4-BE49-F238E27FC236}">
+                <a16:creationId xmlns:a16="http://schemas.microsoft.com/office/drawing/2014/main" id="{CEDE91C3-B261-4E85-9B6A-329C6771A12C}"/>
+              </a:ext>
+            </a:extLst>
+          </p:cNvPr>
+          <p:cNvSpPr>
+            <a:spLocks noGrp="1"/>
+          </p:cNvSpPr>
+          <p:nvPr>
+            <p:ph type="title"/>
+          </p:nvPr>
+        </p:nvSpPr>
+        <p:spPr/>
+        <p:txBody>
+          <a:bodyPr/>
+          <a:lstStyle/>
+          <a:p>
+            <a:r>
+              <a:rPr lang="en-IN" dirty="0"/>
+              <a:t>Plotting on Map to Show Areas of Interest </a:t>
+            </a:r>
+          </a:p>
+        </p:txBody>
+      </p:sp>
+      <p:sp>
+        <p:nvSpPr>
+          <p:cNvPr id="3" name="Content Placeholder 2">
+            <a:extLst>
+              <a:ext uri="{FF2B5EF4-FFF2-40B4-BE49-F238E27FC236}">
+                <a16:creationId xmlns:a16="http://schemas.microsoft.com/office/drawing/2014/main" id="{A8AB1AF3-B2E8-4F66-9C23-F3EDD26C4131}"/>
+              </a:ext>
+            </a:extLst>
+          </p:cNvPr>
+          <p:cNvSpPr>
+            <a:spLocks noGrp="1"/>
+          </p:cNvSpPr>
+          <p:nvPr>
+            <p:ph idx="1"/>
+          </p:nvPr>
+        </p:nvSpPr>
+        <p:spPr/>
+        <p:txBody>
+          <a:bodyPr/>
+          <a:lstStyle/>
+          <a:p>
+            <a:r>
+              <a:rPr lang="en-IN" dirty="0"/>
+              <a:t>Areas marked in Blue are Primary Locations </a:t>
+            </a:r>
+          </a:p>
+          <a:p>
+            <a:r>
+              <a:rPr lang="en-IN" dirty="0"/>
+              <a:t>Areas marked in Yellow are the Secondary Locations </a:t>
+            </a:r>
+          </a:p>
+        </p:txBody>
+      </p:sp>
+      <p:pic>
+        <p:nvPicPr>
+          <p:cNvPr id="4" name="Picture 3">
+            <a:extLst>
+              <a:ext uri="{FF2B5EF4-FFF2-40B4-BE49-F238E27FC236}">
+                <a16:creationId xmlns:a16="http://schemas.microsoft.com/office/drawing/2014/main" id="{71828A1A-3289-4FF6-8E82-F867F0580930}"/>
+              </a:ext>
+            </a:extLst>
+          </p:cNvPr>
+          <p:cNvPicPr>
+            <a:picLocks noChangeAspect="1"/>
+          </p:cNvPicPr>
+          <p:nvPr/>
+        </p:nvPicPr>
+        <p:blipFill>
+          <a:blip r:embed="rId2"/>
+          <a:stretch>
+            <a:fillRect/>
+          </a:stretch>
+        </p:blipFill>
+        <p:spPr>
+          <a:xfrm>
+            <a:off x="4431321" y="3607660"/>
+            <a:ext cx="2693283" cy="2701700"/>
+          </a:xfrm>
+          <a:prstGeom prst="rect">
+            <a:avLst/>
+          </a:prstGeom>
+        </p:spPr>
+      </p:pic>
+    </p:spTree>
+    <p:extLst>
+      <p:ext uri="{BB962C8B-B14F-4D97-AF65-F5344CB8AC3E}">
+        <p14:creationId xmlns:p14="http://schemas.microsoft.com/office/powerpoint/2010/main" val="1784252978"/>
       </p:ext>
     </p:extLst>
   </p:cSld>
